--- a/COLA TRUCK.pptx
+++ b/COLA TRUCK.pptx
@@ -309,7 +309,7 @@
           <a:p>
             <a:fld id="{490BD272-8A13-43C8-B4A0-3054020C2C34}" type="datetimeFigureOut">
               <a:rPr lang="bg-BG" smtClean="0"/>
-              <a:t>10.7.2020 г.</a:t>
+              <a:t>11.7.2020 г.</a:t>
             </a:fld>
             <a:endParaRPr lang="bg-BG"/>
           </a:p>
@@ -745,7 +745,7 @@
           <a:p>
             <a:fld id="{490BD272-8A13-43C8-B4A0-3054020C2C34}" type="datetimeFigureOut">
               <a:rPr lang="bg-BG" smtClean="0"/>
-              <a:t>10.7.2020 г.</a:t>
+              <a:t>11.7.2020 г.</a:t>
             </a:fld>
             <a:endParaRPr lang="bg-BG"/>
           </a:p>
@@ -995,7 +995,7 @@
           <a:p>
             <a:fld id="{490BD272-8A13-43C8-B4A0-3054020C2C34}" type="datetimeFigureOut">
               <a:rPr lang="bg-BG" smtClean="0"/>
-              <a:t>10.7.2020 г.</a:t>
+              <a:t>11.7.2020 г.</a:t>
             </a:fld>
             <a:endParaRPr lang="bg-BG"/>
           </a:p>
@@ -1303,7 +1303,7 @@
           <a:p>
             <a:fld id="{490BD272-8A13-43C8-B4A0-3054020C2C34}" type="datetimeFigureOut">
               <a:rPr lang="bg-BG" smtClean="0"/>
-              <a:t>10.7.2020 г.</a:t>
+              <a:t>11.7.2020 г.</a:t>
             </a:fld>
             <a:endParaRPr lang="bg-BG"/>
           </a:p>
@@ -1621,7 +1621,7 @@
           <a:p>
             <a:fld id="{490BD272-8A13-43C8-B4A0-3054020C2C34}" type="datetimeFigureOut">
               <a:rPr lang="bg-BG" smtClean="0"/>
-              <a:t>10.7.2020 г.</a:t>
+              <a:t>11.7.2020 г.</a:t>
             </a:fld>
             <a:endParaRPr lang="bg-BG"/>
           </a:p>
@@ -1923,7 +1923,7 @@
           <a:p>
             <a:fld id="{490BD272-8A13-43C8-B4A0-3054020C2C34}" type="datetimeFigureOut">
               <a:rPr lang="bg-BG" smtClean="0"/>
-              <a:t>10.7.2020 г.</a:t>
+              <a:t>11.7.2020 г.</a:t>
             </a:fld>
             <a:endParaRPr lang="bg-BG"/>
           </a:p>
@@ -2290,7 +2290,7 @@
           <a:p>
             <a:fld id="{490BD272-8A13-43C8-B4A0-3054020C2C34}" type="datetimeFigureOut">
               <a:rPr lang="bg-BG" smtClean="0"/>
-              <a:t>10.7.2020 г.</a:t>
+              <a:t>11.7.2020 г.</a:t>
             </a:fld>
             <a:endParaRPr lang="bg-BG"/>
           </a:p>
@@ -2464,7 +2464,7 @@
           <a:p>
             <a:fld id="{490BD272-8A13-43C8-B4A0-3054020C2C34}" type="datetimeFigureOut">
               <a:rPr lang="bg-BG" smtClean="0"/>
-              <a:t>10.7.2020 г.</a:t>
+              <a:t>11.7.2020 г.</a:t>
             </a:fld>
             <a:endParaRPr lang="bg-BG"/>
           </a:p>
@@ -2644,7 +2644,7 @@
           <a:p>
             <a:fld id="{490BD272-8A13-43C8-B4A0-3054020C2C34}" type="datetimeFigureOut">
               <a:rPr lang="bg-BG" smtClean="0"/>
-              <a:t>10.7.2020 г.</a:t>
+              <a:t>11.7.2020 г.</a:t>
             </a:fld>
             <a:endParaRPr lang="bg-BG"/>
           </a:p>
@@ -2814,7 +2814,7 @@
           <a:p>
             <a:fld id="{490BD272-8A13-43C8-B4A0-3054020C2C34}" type="datetimeFigureOut">
               <a:rPr lang="bg-BG" smtClean="0"/>
-              <a:t>10.7.2020 г.</a:t>
+              <a:t>11.7.2020 г.</a:t>
             </a:fld>
             <a:endParaRPr lang="bg-BG"/>
           </a:p>
@@ -3064,7 +3064,7 @@
           <a:p>
             <a:fld id="{490BD272-8A13-43C8-B4A0-3054020C2C34}" type="datetimeFigureOut">
               <a:rPr lang="bg-BG" smtClean="0"/>
-              <a:t>10.7.2020 г.</a:t>
+              <a:t>11.7.2020 г.</a:t>
             </a:fld>
             <a:endParaRPr lang="bg-BG"/>
           </a:p>
@@ -3300,7 +3300,7 @@
           <a:p>
             <a:fld id="{490BD272-8A13-43C8-B4A0-3054020C2C34}" type="datetimeFigureOut">
               <a:rPr lang="bg-BG" smtClean="0"/>
-              <a:t>10.7.2020 г.</a:t>
+              <a:t>11.7.2020 г.</a:t>
             </a:fld>
             <a:endParaRPr lang="bg-BG"/>
           </a:p>
@@ -3682,7 +3682,7 @@
           <a:p>
             <a:fld id="{490BD272-8A13-43C8-B4A0-3054020C2C34}" type="datetimeFigureOut">
               <a:rPr lang="bg-BG" smtClean="0"/>
-              <a:t>10.7.2020 г.</a:t>
+              <a:t>11.7.2020 г.</a:t>
             </a:fld>
             <a:endParaRPr lang="bg-BG"/>
           </a:p>
@@ -3800,7 +3800,7 @@
           <a:p>
             <a:fld id="{490BD272-8A13-43C8-B4A0-3054020C2C34}" type="datetimeFigureOut">
               <a:rPr lang="bg-BG" smtClean="0"/>
-              <a:t>10.7.2020 г.</a:t>
+              <a:t>11.7.2020 г.</a:t>
             </a:fld>
             <a:endParaRPr lang="bg-BG"/>
           </a:p>
@@ -3895,7 +3895,7 @@
           <a:p>
             <a:fld id="{490BD272-8A13-43C8-B4A0-3054020C2C34}" type="datetimeFigureOut">
               <a:rPr lang="bg-BG" smtClean="0"/>
-              <a:t>10.7.2020 г.</a:t>
+              <a:t>11.7.2020 г.</a:t>
             </a:fld>
             <a:endParaRPr lang="bg-BG"/>
           </a:p>
@@ -4150,7 +4150,7 @@
           <a:p>
             <a:fld id="{490BD272-8A13-43C8-B4A0-3054020C2C34}" type="datetimeFigureOut">
               <a:rPr lang="bg-BG" smtClean="0"/>
-              <a:t>10.7.2020 г.</a:t>
+              <a:t>11.7.2020 г.</a:t>
             </a:fld>
             <a:endParaRPr lang="bg-BG"/>
           </a:p>
@@ -4433,7 +4433,7 @@
           <a:p>
             <a:fld id="{490BD272-8A13-43C8-B4A0-3054020C2C34}" type="datetimeFigureOut">
               <a:rPr lang="bg-BG" smtClean="0"/>
-              <a:t>10.7.2020 г.</a:t>
+              <a:t>11.7.2020 г.</a:t>
             </a:fld>
             <a:endParaRPr lang="bg-BG"/>
           </a:p>
@@ -4854,7 +4854,7 @@
           <a:p>
             <a:fld id="{490BD272-8A13-43C8-B4A0-3054020C2C34}" type="datetimeFigureOut">
               <a:rPr lang="bg-BG" smtClean="0"/>
-              <a:t>10.7.2020 г.</a:t>
+              <a:t>11.7.2020 г.</a:t>
             </a:fld>
             <a:endParaRPr lang="bg-BG"/>
           </a:p>
@@ -6366,7 +6366,19 @@
           <a:p>
             <a:r>
               <a:rPr lang="bg-BG" sz="3600" dirty="0" smtClean="0"/>
-              <a:t>Димитър Митев</a:t>
+              <a:t>Димитър </a:t>
+            </a:r>
+            <a:r>
+              <a:rPr lang="bg-BG" sz="3600" dirty="0" smtClean="0"/>
+              <a:t>Митев</a:t>
+            </a:r>
+            <a:r>
+              <a:rPr lang="en-US" sz="3600" dirty="0" smtClean="0"/>
+              <a:t>-</a:t>
+            </a:r>
+            <a:r>
+              <a:rPr lang="bg-BG" sz="3600" dirty="0" smtClean="0"/>
+              <a:t>50%</a:t>
             </a:r>
             <a:endParaRPr lang="bg-BG" sz="3600" dirty="0"/>
           </a:p>
@@ -6381,7 +6393,7 @@
         <p:spPr>
           <a:xfrm>
             <a:off x="867266" y="3054284"/>
-            <a:ext cx="4047903" cy="646331"/>
+            <a:ext cx="5072222" cy="646331"/>
           </a:xfrm>
           <a:prstGeom prst="rect">
             <a:avLst/>
@@ -6396,7 +6408,11 @@
           <a:p>
             <a:r>
               <a:rPr lang="bg-BG" sz="3600" dirty="0" smtClean="0"/>
-              <a:t>Щерю Атанасов</a:t>
+              <a:t>Щерю </a:t>
+            </a:r>
+            <a:r>
+              <a:rPr lang="bg-BG" sz="3600" dirty="0" smtClean="0"/>
+              <a:t>Атанасов-50%</a:t>
             </a:r>
             <a:endParaRPr lang="bg-BG" sz="3600" dirty="0"/>
           </a:p>
@@ -6467,11 +6483,7 @@
             <a:pPr algn="ctr"/>
             <a:r>
               <a:rPr lang="bg-BG" sz="6600" b="1" dirty="0" smtClean="0"/>
-              <a:t>БЛагодаря за </a:t>
-            </a:r>
-            <a:r>
-              <a:rPr lang="bg-BG" sz="6600" b="1" dirty="0" smtClean="0"/>
-              <a:t>вниманието</a:t>
+              <a:t>БЛагодаря за вниманието</a:t>
             </a:r>
             <a:r>
               <a:rPr lang="en-US" sz="6600" b="1" dirty="0" smtClean="0"/>
